--- a/ch04.pptx
+++ b/ch04.pptx
@@ -4072,7 +4072,13 @@
           <a:bodyPr/>
           <a:lstStyle/>
           <a:p>
-            <a:endParaRPr lang="zh-TW" altLang="zh-TW">
+            <a:r>
+              <a:rPr lang="en-US" altLang="zh-TW" dirty="0">
+                <a:latin typeface="Times New Roman" pitchFamily="18" charset="0"/>
+              </a:rPr>
+              <a:t>ok</a:t>
+            </a:r>
+            <a:endParaRPr lang="zh-TW" altLang="zh-TW" dirty="0">
               <a:latin typeface="Times New Roman" pitchFamily="18" charset="0"/>
             </a:endParaRPr>
           </a:p>
@@ -4428,7 +4434,13 @@
           <a:bodyPr/>
           <a:lstStyle/>
           <a:p>
-            <a:endParaRPr lang="zh-TW" altLang="zh-TW">
+            <a:r>
+              <a:rPr lang="en-US" altLang="zh-TW" dirty="0">
+                <a:latin typeface="Times New Roman" pitchFamily="18" charset="0"/>
+              </a:rPr>
+              <a:t>ok</a:t>
+            </a:r>
+            <a:endParaRPr lang="zh-TW" altLang="zh-TW" dirty="0">
               <a:latin typeface="Times New Roman" pitchFamily="18" charset="0"/>
             </a:endParaRPr>
           </a:p>
@@ -4695,7 +4707,13 @@
           <a:bodyPr/>
           <a:lstStyle/>
           <a:p>
-            <a:endParaRPr lang="zh-TW" altLang="zh-TW">
+            <a:r>
+              <a:rPr lang="en-US" altLang="zh-TW" dirty="0">
+                <a:latin typeface="Times New Roman" pitchFamily="18" charset="0"/>
+              </a:rPr>
+              <a:t>ok</a:t>
+            </a:r>
+            <a:endParaRPr lang="zh-TW" altLang="zh-TW" dirty="0">
               <a:latin typeface="Times New Roman" pitchFamily="18" charset="0"/>
             </a:endParaRPr>
           </a:p>
@@ -4784,7 +4802,19 @@
           <a:bodyPr/>
           <a:lstStyle/>
           <a:p>
-            <a:endParaRPr lang="zh-TW" altLang="zh-TW">
+            <a:r>
+              <a:rPr lang="zh-TW" altLang="en-US" dirty="0">
+                <a:latin typeface="Times New Roman" pitchFamily="18" charset="0"/>
+              </a:rPr>
+              <a:t>類似</a:t>
+            </a:r>
+            <a:r>
+              <a:rPr lang="en-US" altLang="zh-TW" dirty="0">
+                <a:latin typeface="Times New Roman" pitchFamily="18" charset="0"/>
+              </a:rPr>
+              <a:t>connection pool</a:t>
+            </a:r>
+            <a:endParaRPr lang="zh-TW" altLang="zh-TW" dirty="0">
               <a:latin typeface="Times New Roman" pitchFamily="18" charset="0"/>
             </a:endParaRPr>
           </a:p>
@@ -4873,7 +4903,49 @@
           <a:bodyPr/>
           <a:lstStyle/>
           <a:p>
-            <a:endParaRPr lang="zh-TW" altLang="zh-TW">
+            <a:r>
+              <a:rPr lang="zh-TW" altLang="en-US" dirty="0">
+                <a:latin typeface="Times New Roman" pitchFamily="18" charset="0"/>
+              </a:rPr>
+              <a:t>可見在</a:t>
+            </a:r>
+            <a:r>
+              <a:rPr lang="en-US" altLang="zh-TW" dirty="0" err="1">
+                <a:latin typeface="Times New Roman" pitchFamily="18" charset="0"/>
+              </a:rPr>
+              <a:t>eva</a:t>
+            </a:r>
+            <a:r>
+              <a:rPr lang="zh-TW" altLang="en-US" dirty="0">
+                <a:latin typeface="Times New Roman" pitchFamily="18" charset="0"/>
+              </a:rPr>
+              <a:t>一直磨練</a:t>
+            </a:r>
+            <a:r>
+              <a:rPr lang="en-US" altLang="zh-TW" dirty="0" err="1">
+                <a:latin typeface="Times New Roman" pitchFamily="18" charset="0"/>
+              </a:rPr>
+              <a:t>cn</a:t>
+            </a:r>
+            <a:r>
+              <a:rPr lang="en-US" altLang="zh-TW" dirty="0">
+                <a:latin typeface="Times New Roman" pitchFamily="18" charset="0"/>
+              </a:rPr>
+              <a:t> </a:t>
+            </a:r>
+            <a:r>
+              <a:rPr lang="en-US" altLang="zh-TW" dirty="0" err="1">
+                <a:latin typeface="Times New Roman" pitchFamily="18" charset="0"/>
+              </a:rPr>
+              <a:t>trn</a:t>
+            </a:r>
+            <a:r>
+              <a:rPr lang="zh-TW" altLang="en-US" dirty="0">
+                <a:latin typeface="Times New Roman" pitchFamily="18" charset="0"/>
+              </a:rPr>
+              <a:t>寫法概念 很有幫助</a:t>
+            </a:r>
+            <a:endParaRPr lang="zh-TW" altLang="zh-TW" dirty="0">
               <a:latin typeface="Times New Roman" pitchFamily="18" charset="0"/>
             </a:endParaRPr>
           </a:p>
@@ -5580,7 +5652,13 @@
           <a:bodyPr/>
           <a:lstStyle/>
           <a:p>
-            <a:endParaRPr lang="zh-TW" altLang="zh-TW">
+            <a:r>
+              <a:rPr lang="en-US" altLang="zh-TW" dirty="0">
+                <a:latin typeface="Times New Roman" pitchFamily="18" charset="0"/>
+              </a:rPr>
+              <a:t>ok</a:t>
+            </a:r>
+            <a:endParaRPr lang="zh-TW" altLang="zh-TW" dirty="0">
               <a:latin typeface="Times New Roman" pitchFamily="18" charset="0"/>
             </a:endParaRPr>
           </a:p>
@@ -5669,7 +5747,13 @@
           <a:bodyPr/>
           <a:lstStyle/>
           <a:p>
-            <a:endParaRPr lang="zh-TW" altLang="zh-TW">
+            <a:r>
+              <a:rPr lang="en-US" altLang="zh-TW" dirty="0">
+                <a:latin typeface="Times New Roman" pitchFamily="18" charset="0"/>
+              </a:rPr>
+              <a:t>ok</a:t>
+            </a:r>
+            <a:endParaRPr lang="zh-TW" altLang="zh-TW" dirty="0">
               <a:latin typeface="Times New Roman" pitchFamily="18" charset="0"/>
             </a:endParaRPr>
           </a:p>
@@ -5758,7 +5842,13 @@
           <a:bodyPr/>
           <a:lstStyle/>
           <a:p>
-            <a:endParaRPr lang="zh-TW" altLang="zh-TW">
+            <a:r>
+              <a:rPr lang="en-US" altLang="zh-TW" dirty="0">
+                <a:latin typeface="Times New Roman" pitchFamily="18" charset="0"/>
+              </a:rPr>
+              <a:t>ok</a:t>
+            </a:r>
+            <a:endParaRPr lang="zh-TW" altLang="zh-TW" dirty="0">
               <a:latin typeface="Times New Roman" pitchFamily="18" charset="0"/>
             </a:endParaRPr>
           </a:p>
@@ -20171,11 +20261,11 @@
           <a:lstStyle/>
           <a:p>
             <a:r>
-              <a:rPr lang="en-US" altLang="zh-TW" sz="2800" dirty="0"/>
+              <a:rPr lang="en-US" altLang="zh-TW" sz="2600" dirty="0"/>
               <a:t>Some of the issues to consider with </a:t>
             </a:r>
             <a:r>
-              <a:rPr lang="en-US" altLang="zh-TW" sz="2800" b="1" dirty="0">
+              <a:rPr lang="en-US" altLang="zh-TW" sz="2600" b="1" dirty="0">
                 <a:solidFill>
                   <a:srgbClr val="FF0000"/>
                 </a:solidFill>
@@ -20183,66 +20273,109 @@
               <a:t>multithreaded programs</a:t>
             </a:r>
             <a:r>
-              <a:rPr lang="en-US" altLang="zh-TW" sz="2800" dirty="0"/>
+              <a:rPr lang="en-US" altLang="zh-TW" sz="2600" dirty="0"/>
               <a:t>.</a:t>
             </a:r>
           </a:p>
           <a:p>
             <a:r>
-              <a:rPr lang="en-US" altLang="zh-TW" sz="2800" dirty="0"/>
-              <a:t>Semantics of </a:t>
-            </a:r>
-            <a:r>
-              <a:rPr lang="en-US" altLang="zh-TW" sz="2800" b="1" dirty="0"/>
+              <a:rPr lang="en-US" altLang="zh-TW" sz="2600" dirty="0"/>
+              <a:t>Semantics</a:t>
+            </a:r>
+            <a:r>
+              <a:rPr lang="zh-TW" altLang="en-US" sz="2600" dirty="0"/>
+              <a:t>語意學</a:t>
+            </a:r>
+            <a:r>
+              <a:rPr lang="en-US" altLang="zh-TW" sz="2600" dirty="0"/>
+              <a:t> of </a:t>
+            </a:r>
+            <a:r>
+              <a:rPr lang="en-US" altLang="zh-TW" sz="2600" b="1" dirty="0"/>
               <a:t>fork()</a:t>
             </a:r>
             <a:r>
-              <a:rPr lang="en-US" altLang="zh-TW" sz="2800" dirty="0"/>
+              <a:rPr lang="en-US" altLang="zh-TW" sz="2600" dirty="0"/>
               <a:t> and </a:t>
             </a:r>
             <a:r>
-              <a:rPr lang="en-US" altLang="zh-TW" sz="2800" b="1" dirty="0"/>
+              <a:rPr lang="en-US" altLang="zh-TW" sz="2600" b="1" dirty="0"/>
               <a:t>exec()</a:t>
             </a:r>
             <a:r>
-              <a:rPr lang="en-US" altLang="zh-TW" sz="2800" dirty="0"/>
+              <a:rPr lang="en-US" altLang="zh-TW" sz="2600" dirty="0"/>
               <a:t> system calls</a:t>
             </a:r>
           </a:p>
           <a:p>
             <a:r>
-              <a:rPr lang="en-US" altLang="zh-TW" sz="2800" dirty="0"/>
+              <a:rPr lang="en-US" altLang="zh-TW" sz="2600" dirty="0"/>
+              <a:t>&gt;</a:t>
+            </a:r>
+            <a:r>
+              <a:rPr lang="zh-TW" altLang="en-US" sz="2600" dirty="0"/>
+              <a:t>有考慮</a:t>
+            </a:r>
+            <a:r>
+              <a:rPr lang="en-US" altLang="zh-TW" sz="2600" dirty="0"/>
+              <a:t>Th</a:t>
+            </a:r>
+            <a:r>
+              <a:rPr lang="zh-TW" altLang="en-US" sz="2600" dirty="0"/>
+              <a:t>  和只考慮</a:t>
+            </a:r>
+            <a:r>
+              <a:rPr lang="en-US" altLang="zh-TW" sz="2600" dirty="0"/>
+              <a:t>proc</a:t>
+            </a:r>
+            <a:r>
+              <a:rPr lang="zh-TW" altLang="en-US" sz="2600" dirty="0"/>
+              <a:t> 所說明的</a:t>
+            </a:r>
+            <a:r>
+              <a:rPr lang="en-US" altLang="zh-TW" sz="2600" dirty="0"/>
+              <a:t>fork exec</a:t>
+            </a:r>
+            <a:r>
+              <a:rPr lang="zh-TW" altLang="en-US" sz="2600" dirty="0"/>
+              <a:t>內容小有差別</a:t>
+            </a:r>
+            <a:endParaRPr lang="en-US" altLang="zh-TW" sz="2600" dirty="0"/>
+          </a:p>
+          <a:p>
+            <a:r>
+              <a:rPr lang="en-US" altLang="zh-TW" sz="2600" dirty="0"/>
               <a:t>Thread cancellation of target thread</a:t>
             </a:r>
           </a:p>
           <a:p>
             <a:pPr lvl="1"/>
             <a:r>
-              <a:rPr lang="en-US" altLang="zh-TW" sz="2800" dirty="0"/>
+              <a:rPr lang="en-US" altLang="zh-TW" sz="2600" dirty="0"/>
               <a:t>Asynchronous or deferred</a:t>
             </a:r>
           </a:p>
           <a:p>
             <a:r>
-              <a:rPr lang="en-US" altLang="zh-TW" sz="2800" dirty="0"/>
+              <a:rPr lang="en-US" altLang="zh-TW" sz="2600" dirty="0"/>
               <a:t>Signal handling</a:t>
             </a:r>
           </a:p>
           <a:p>
             <a:r>
-              <a:rPr lang="en-US" altLang="zh-TW" sz="2800" dirty="0"/>
+              <a:rPr lang="en-US" altLang="zh-TW" sz="2600" dirty="0"/>
               <a:t>Thread pools</a:t>
             </a:r>
           </a:p>
           <a:p>
             <a:r>
-              <a:rPr lang="en-US" altLang="zh-TW" sz="2800" dirty="0"/>
+              <a:rPr lang="en-US" altLang="zh-TW" sz="2600" dirty="0"/>
               <a:t>Thread-specific data</a:t>
             </a:r>
           </a:p>
           <a:p>
             <a:r>
-              <a:rPr lang="en-US" altLang="zh-TW" sz="2800" dirty="0"/>
+              <a:rPr lang="en-US" altLang="zh-TW" sz="2600" dirty="0"/>
               <a:t>Scheduler activations</a:t>
             </a:r>
           </a:p>
@@ -20438,49 +20571,6 @@
                                   </p:childTnLst>
                                 </p:cTn>
                               </p:par>
-                              <p:par>
-                                <p:cTn id="18" presetID="4" presetClass="entr" presetSubtype="16" fill="hold" grpId="0" nodeType="withEffect">
-                                  <p:stCondLst>
-                                    <p:cond delay="0"/>
-                                  </p:stCondLst>
-                                  <p:childTnLst>
-                                    <p:set>
-                                      <p:cBhvr>
-                                        <p:cTn id="19" dur="1" fill="hold">
-                                          <p:stCondLst>
-                                            <p:cond delay="0"/>
-                                          </p:stCondLst>
-                                        </p:cTn>
-                                        <p:tgtEl>
-                                          <p:spTgt spid="28675">
-                                            <p:txEl>
-                                              <p:pRg st="3" end="3"/>
-                                            </p:txEl>
-                                          </p:spTgt>
-                                        </p:tgtEl>
-                                        <p:attrNameLst>
-                                          <p:attrName>style.visibility</p:attrName>
-                                        </p:attrNameLst>
-                                      </p:cBhvr>
-                                      <p:to>
-                                        <p:strVal val="visible"/>
-                                      </p:to>
-                                    </p:set>
-                                    <p:animEffect transition="in" filter="box(in)">
-                                      <p:cBhvr>
-                                        <p:cTn id="20" dur="500"/>
-                                        <p:tgtEl>
-                                          <p:spTgt spid="28675">
-                                            <p:txEl>
-                                              <p:pRg st="3" end="3"/>
-                                            </p:txEl>
-                                          </p:spTgt>
-                                        </p:tgtEl>
-                                      </p:cBhvr>
-                                    </p:animEffect>
-                                  </p:childTnLst>
-                                </p:cTn>
-                              </p:par>
                             </p:childTnLst>
                           </p:cTn>
                         </p:par>
@@ -20488,19 +20578,62 @@
                     </p:cTn>
                   </p:par>
                   <p:par>
-                    <p:cTn id="21" fill="hold">
+                    <p:cTn id="18" fill="hold">
                       <p:stCondLst>
                         <p:cond delay="indefinite"/>
                       </p:stCondLst>
                       <p:childTnLst>
                         <p:par>
-                          <p:cTn id="22" fill="hold">
+                          <p:cTn id="19" fill="hold">
                             <p:stCondLst>
                               <p:cond delay="0"/>
                             </p:stCondLst>
                             <p:childTnLst>
                               <p:par>
-                                <p:cTn id="23" presetID="4" presetClass="entr" presetSubtype="16" fill="hold" grpId="0" nodeType="clickEffect">
+                                <p:cTn id="20" presetID="4" presetClass="entr" presetSubtype="16" fill="hold" grpId="0" nodeType="clickEffect">
+                                  <p:stCondLst>
+                                    <p:cond delay="0"/>
+                                  </p:stCondLst>
+                                  <p:childTnLst>
+                                    <p:set>
+                                      <p:cBhvr>
+                                        <p:cTn id="21" dur="1" fill="hold">
+                                          <p:stCondLst>
+                                            <p:cond delay="0"/>
+                                          </p:stCondLst>
+                                        </p:cTn>
+                                        <p:tgtEl>
+                                          <p:spTgt spid="28675">
+                                            <p:txEl>
+                                              <p:pRg st="3" end="3"/>
+                                            </p:txEl>
+                                          </p:spTgt>
+                                        </p:tgtEl>
+                                        <p:attrNameLst>
+                                          <p:attrName>style.visibility</p:attrName>
+                                        </p:attrNameLst>
+                                      </p:cBhvr>
+                                      <p:to>
+                                        <p:strVal val="visible"/>
+                                      </p:to>
+                                    </p:set>
+                                    <p:animEffect transition="in" filter="box(in)">
+                                      <p:cBhvr>
+                                        <p:cTn id="22" dur="500"/>
+                                        <p:tgtEl>
+                                          <p:spTgt spid="28675">
+                                            <p:txEl>
+                                              <p:pRg st="3" end="3"/>
+                                            </p:txEl>
+                                          </p:spTgt>
+                                        </p:tgtEl>
+                                      </p:cBhvr>
+                                    </p:animEffect>
+                                  </p:childTnLst>
+                                </p:cTn>
+                              </p:par>
+                              <p:par>
+                                <p:cTn id="23" presetID="4" presetClass="entr" presetSubtype="16" fill="hold" grpId="0" nodeType="withEffect">
                                   <p:stCondLst>
                                     <p:cond delay="0"/>
                                   </p:stCondLst>
@@ -20717,6 +20850,67 @@
                                           <p:spTgt spid="28675">
                                             <p:txEl>
                                               <p:pRg st="7" end="7"/>
+                                            </p:txEl>
+                                          </p:spTgt>
+                                        </p:tgtEl>
+                                      </p:cBhvr>
+                                    </p:animEffect>
+                                  </p:childTnLst>
+                                </p:cTn>
+                              </p:par>
+                            </p:childTnLst>
+                          </p:cTn>
+                        </p:par>
+                      </p:childTnLst>
+                    </p:cTn>
+                  </p:par>
+                  <p:par>
+                    <p:cTn id="41" fill="hold">
+                      <p:stCondLst>
+                        <p:cond delay="indefinite"/>
+                      </p:stCondLst>
+                      <p:childTnLst>
+                        <p:par>
+                          <p:cTn id="42" fill="hold">
+                            <p:stCondLst>
+                              <p:cond delay="0"/>
+                            </p:stCondLst>
+                            <p:childTnLst>
+                              <p:par>
+                                <p:cTn id="43" presetID="4" presetClass="entr" presetSubtype="16" fill="hold" grpId="0" nodeType="clickEffect">
+                                  <p:stCondLst>
+                                    <p:cond delay="0"/>
+                                  </p:stCondLst>
+                                  <p:childTnLst>
+                                    <p:set>
+                                      <p:cBhvr>
+                                        <p:cTn id="44" dur="1" fill="hold">
+                                          <p:stCondLst>
+                                            <p:cond delay="0"/>
+                                          </p:stCondLst>
+                                        </p:cTn>
+                                        <p:tgtEl>
+                                          <p:spTgt spid="28675">
+                                            <p:txEl>
+                                              <p:pRg st="8" end="8"/>
+                                            </p:txEl>
+                                          </p:spTgt>
+                                        </p:tgtEl>
+                                        <p:attrNameLst>
+                                          <p:attrName>style.visibility</p:attrName>
+                                        </p:attrNameLst>
+                                      </p:cBhvr>
+                                      <p:to>
+                                        <p:strVal val="visible"/>
+                                      </p:to>
+                                    </p:set>
+                                    <p:animEffect transition="in" filter="box(in)">
+                                      <p:cBhvr>
+                                        <p:cTn id="45" dur="500"/>
+                                        <p:tgtEl>
+                                          <p:spTgt spid="28675">
+                                            <p:txEl>
+                                              <p:pRg st="8" end="8"/>
                                             </p:txEl>
                                           </p:spTgt>
                                         </p:tgtEl>
@@ -21721,7 +21915,19 @@
                   <a:srgbClr val="FF0000"/>
                 </a:solidFill>
               </a:rPr>
-              <a:t>Deferred cancellation</a:t>
+              <a:t>Deferred</a:t>
+            </a:r>
+            <a:r>
+              <a:rPr lang="zh-TW" altLang="en-US" b="0" dirty="0"/>
+              <a:t> 推遲</a:t>
+            </a:r>
+            <a:r>
+              <a:rPr lang="en-US" altLang="zh-TW" sz="2800" b="1" dirty="0">
+                <a:solidFill>
+                  <a:srgbClr val="FF0000"/>
+                </a:solidFill>
+              </a:rPr>
+              <a:t> cancellation</a:t>
             </a:r>
             <a:r>
               <a:rPr lang="en-US" altLang="zh-TW" sz="2800" dirty="0">
@@ -21733,7 +21939,15 @@
             </a:r>
             <a:r>
               <a:rPr lang="en-US" altLang="zh-TW" sz="2800" dirty="0"/>
-              <a:t>allows the target thread to periodically check if it should be cancelled</a:t>
+              <a:t>allows the target thread to periodically</a:t>
+            </a:r>
+            <a:r>
+              <a:rPr lang="zh-TW" altLang="en-US" b="0" dirty="0"/>
+              <a:t> 週期性地</a:t>
+            </a:r>
+            <a:r>
+              <a:rPr lang="en-US" altLang="zh-TW" sz="2800" dirty="0"/>
+              <a:t> check if it should be cancelled</a:t>
             </a:r>
           </a:p>
           <a:p>
@@ -22800,7 +23014,23 @@
           <a:p>
             <a:r>
               <a:rPr lang="en-US" altLang="zh-TW" sz="2800" dirty="0"/>
-              <a:t>Create a number of threads in a pool where they await work</a:t>
+              <a:t>Create a number of threads in a pool where they await</a:t>
+            </a:r>
+            <a:r>
+              <a:rPr lang="zh-TW" altLang="en-US" b="0" dirty="0"/>
+              <a:t> 等候</a:t>
+            </a:r>
+            <a:r>
+              <a:rPr lang="en-US" altLang="zh-TW" b="0" dirty="0"/>
+              <a:t>(</a:t>
+            </a:r>
+            <a:r>
+              <a:rPr lang="zh-TW" altLang="en-US" b="0" dirty="0"/>
+              <a:t>動詞</a:t>
+            </a:r>
+            <a:r>
+              <a:rPr lang="en-US" altLang="zh-TW" sz="2800" dirty="0"/>
+              <a:t> work</a:t>
             </a:r>
           </a:p>
           <a:p>
@@ -22820,7 +23050,39 @@
             <a:pPr lvl="1"/>
             <a:r>
               <a:rPr lang="en-US" altLang="zh-TW" sz="2800" dirty="0"/>
-              <a:t>Allows the number of threads in the application(s) to be bound to the size of the pool</a:t>
+              <a:t>Allows the number of threads in the application(s) to be bound</a:t>
+            </a:r>
+            <a:r>
+              <a:rPr lang="zh-TW" altLang="en-US" sz="2800" dirty="0"/>
+              <a:t>綁定到</a:t>
+            </a:r>
+            <a:r>
+              <a:rPr lang="en-US" altLang="zh-TW" sz="2800" dirty="0"/>
+              <a:t>(</a:t>
+            </a:r>
+            <a:r>
+              <a:rPr lang="zh-TW" altLang="en-US" sz="2800" dirty="0"/>
+              <a:t>是</a:t>
+            </a:r>
+            <a:r>
+              <a:rPr lang="en-US" altLang="zh-TW" sz="2800" dirty="0"/>
+              <a:t>bind</a:t>
+            </a:r>
+            <a:r>
+              <a:rPr lang="zh-TW" altLang="en-US" sz="2800" dirty="0"/>
+              <a:t>過去分詞，不是真的</a:t>
+            </a:r>
+            <a:r>
+              <a:rPr lang="en-US" altLang="zh-TW" sz="2800" dirty="0"/>
+              <a:t>bound</a:t>
+            </a:r>
+            <a:r>
+              <a:rPr lang="zh-TW" altLang="en-US" sz="2800" dirty="0"/>
+              <a:t>彈跳</a:t>
+            </a:r>
+            <a:r>
+              <a:rPr lang="en-US" altLang="zh-TW" sz="2800" dirty="0"/>
+              <a:t>) to the size of the pool</a:t>
             </a:r>
           </a:p>
         </p:txBody>
@@ -23690,6 +23952,11 @@
               <a:rPr lang="en-US" altLang="zh-TW" sz="2800" dirty="0"/>
               <a:t>Threads belonging to a process share the data of the process.</a:t>
             </a:r>
+            <a:r>
+              <a:rPr lang="zh-TW" altLang="en-US" sz="2800" dirty="0"/>
+              <a:t>前面講過</a:t>
+            </a:r>
+            <a:endParaRPr lang="en-US" altLang="zh-TW" sz="2800" dirty="0"/>
           </a:p>
           <a:p>
             <a:r>
@@ -23737,6 +24004,54 @@
                 </a:solidFill>
               </a:rPr>
               <a:t>.</a:t>
+            </a:r>
+            <a:r>
+              <a:rPr lang="zh-TW" altLang="en-US" sz="2800" dirty="0">
+                <a:solidFill>
+                  <a:srgbClr val="FF0000"/>
+                </a:solidFill>
+              </a:rPr>
+              <a:t>      一個</a:t>
+            </a:r>
+            <a:r>
+              <a:rPr lang="en-US" altLang="zh-TW" sz="2800" dirty="0" err="1">
+                <a:solidFill>
+                  <a:srgbClr val="FF0000"/>
+                </a:solidFill>
+              </a:rPr>
+              <a:t>trn</a:t>
+            </a:r>
+            <a:r>
+              <a:rPr lang="zh-TW" altLang="en-US" sz="2800" dirty="0">
+                <a:solidFill>
+                  <a:srgbClr val="FF0000"/>
+                </a:solidFill>
+              </a:rPr>
+              <a:t>一個</a:t>
+            </a:r>
+            <a:r>
+              <a:rPr lang="en-US" altLang="zh-TW" sz="2800" dirty="0">
+                <a:solidFill>
+                  <a:srgbClr val="FF0000"/>
+                </a:solidFill>
+              </a:rPr>
+              <a:t>thread</a:t>
+            </a:r>
+            <a:r>
+              <a:rPr lang="zh-TW" altLang="en-US" sz="2800" dirty="0">
+                <a:solidFill>
+                  <a:srgbClr val="FF0000"/>
+                </a:solidFill>
+              </a:rPr>
+              <a:t>達到分隔</a:t>
+            </a:r>
+            <a:r>
+              <a:rPr lang="en-US" altLang="zh-TW" sz="2800" dirty="0">
+                <a:solidFill>
+                  <a:srgbClr val="FF0000"/>
+                </a:solidFill>
+              </a:rPr>
+              <a:t>  </a:t>
             </a:r>
           </a:p>
           <a:p>
@@ -24151,8 +24466,8 @@
         </p:nvSpPr>
         <p:spPr>
           <a:xfrm>
-            <a:off x="519113" y="1098550"/>
-            <a:ext cx="5645150" cy="4492625"/>
+            <a:off x="111760" y="1148080"/>
+            <a:ext cx="6052503" cy="6644640"/>
           </a:xfrm>
         </p:spPr>
         <p:txBody>
@@ -24160,11 +24475,19 @@
           <a:lstStyle/>
           <a:p>
             <a:r>
-              <a:rPr lang="en-US" altLang="zh-TW" sz="2000" dirty="0"/>
-              <a:t>Both M:M and Two-level models require </a:t>
-            </a:r>
-            <a:r>
-              <a:rPr lang="en-US" altLang="zh-TW" sz="2000" b="1" dirty="0">
+              <a:rPr lang="en-US" altLang="zh-TW" sz="2200" dirty="0"/>
+              <a:t>Both M:M </a:t>
+            </a:r>
+            <a:r>
+              <a:rPr lang="zh-TW" altLang="en-US" sz="2200" dirty="0"/>
+              <a:t>多對多 </a:t>
+            </a:r>
+            <a:r>
+              <a:rPr lang="en-US" altLang="zh-TW" sz="2200" dirty="0"/>
+              <a:t>and Two-level models require </a:t>
+            </a:r>
+            <a:r>
+              <a:rPr lang="en-US" altLang="zh-TW" sz="2200" b="1" dirty="0">
                 <a:solidFill>
                   <a:srgbClr val="FF0000"/>
                 </a:solidFill>
@@ -24172,7 +24495,7 @@
               <a:t>communication</a:t>
             </a:r>
             <a:r>
-              <a:rPr lang="en-US" altLang="zh-TW" sz="2000" dirty="0">
+              <a:rPr lang="en-US" altLang="zh-TW" sz="2200" dirty="0">
                 <a:solidFill>
                   <a:srgbClr val="FF0000"/>
                 </a:solidFill>
@@ -24180,13 +24503,29 @@
               <a:t> between the kernel and the thread library</a:t>
             </a:r>
             <a:r>
-              <a:rPr lang="en-US" altLang="zh-TW" sz="2000" dirty="0"/>
-              <a:t> to dynamically adjust the appropriate number of kernel threads to ensure the best performance. </a:t>
-            </a:r>
-          </a:p>
-          <a:p>
-            <a:r>
-              <a:rPr lang="en-US" altLang="zh-TW" sz="2000" dirty="0">
+              <a:rPr lang="en-US" altLang="zh-TW" sz="2200" dirty="0"/>
+              <a:t> to dynamically adjust </a:t>
+            </a:r>
+            <a:r>
+              <a:rPr lang="en-US" altLang="zh-TW" sz="2200" i="1" dirty="0"/>
+              <a:t>the appropriate number</a:t>
+            </a:r>
+            <a:r>
+              <a:rPr lang="en-US" altLang="zh-TW" sz="2200" dirty="0"/>
+              <a:t> of </a:t>
+            </a:r>
+            <a:r>
+              <a:rPr lang="en-US" altLang="zh-TW" sz="2200" i="1" dirty="0"/>
+              <a:t>kernel threads </a:t>
+            </a:r>
+            <a:r>
+              <a:rPr lang="en-US" altLang="zh-TW" sz="2200" dirty="0"/>
+              <a:t>to ensure the best performance. </a:t>
+            </a:r>
+          </a:p>
+          <a:p>
+            <a:r>
+              <a:rPr lang="en-US" altLang="zh-TW" sz="2200" dirty="0">
                 <a:solidFill>
                   <a:srgbClr val="FF0000"/>
                 </a:solidFill>
@@ -24194,17 +24533,17 @@
               <a:t>Lightweight process (LWP)</a:t>
             </a:r>
             <a:r>
-              <a:rPr lang="en-US" altLang="zh-TW" sz="2000" dirty="0"/>
-              <a:t> – an intermediate data structure between the use and kernel threads.</a:t>
-            </a:r>
-          </a:p>
-          <a:p>
-            <a:r>
-              <a:rPr lang="en-US" altLang="zh-TW" sz="2000" dirty="0"/>
+              <a:rPr lang="en-US" altLang="zh-TW" sz="2200" dirty="0"/>
+              <a:t> – an intermediate data structure between the user and kernel threads.</a:t>
+            </a:r>
+          </a:p>
+          <a:p>
+            <a:r>
+              <a:rPr lang="en-US" altLang="zh-TW" sz="2200" dirty="0"/>
               <a:t>To user-thread library, the LWP appears to be a </a:t>
             </a:r>
             <a:r>
-              <a:rPr lang="en-US" altLang="zh-TW" sz="2000" b="1" dirty="0">
+              <a:rPr lang="en-US" altLang="zh-TW" sz="2200" b="1" dirty="0">
                 <a:solidFill>
                   <a:srgbClr val="FF0000"/>
                 </a:solidFill>
@@ -24212,28 +24551,36 @@
               <a:t>virtual processor </a:t>
             </a:r>
             <a:r>
-              <a:rPr lang="en-US" altLang="zh-TW" sz="2000" dirty="0"/>
-              <a:t>on which the application can schedule a user thread to run.</a:t>
-            </a:r>
-          </a:p>
-          <a:p>
-            <a:r>
-              <a:rPr lang="en-US" altLang="zh-TW" sz="2000" dirty="0"/>
+              <a:rPr lang="en-US" altLang="zh-TW" sz="2200" dirty="0"/>
+              <a:t>on which the application can schedule(</a:t>
+            </a:r>
+            <a:r>
+              <a:rPr lang="zh-TW" altLang="en-US" sz="2200" dirty="0"/>
+              <a:t>列入計畫</a:t>
+            </a:r>
+            <a:r>
+              <a:rPr lang="en-US" altLang="zh-TW" sz="2200" dirty="0"/>
+              <a:t>) a user thread to run.</a:t>
+            </a:r>
+          </a:p>
+          <a:p>
+            <a:r>
+              <a:rPr lang="en-US" altLang="zh-TW" sz="2200" dirty="0"/>
               <a:t>Each LWP is attached to a kernel thread</a:t>
             </a:r>
           </a:p>
           <a:p>
             <a:r>
-              <a:rPr lang="en-US" altLang="zh-TW" sz="2000" dirty="0"/>
+              <a:rPr lang="en-US" altLang="zh-TW" sz="2200" dirty="0"/>
               <a:t>If a kernel thread blocks </a:t>
             </a:r>
             <a:r>
-              <a:rPr lang="en-US" altLang="zh-TW" sz="2000" dirty="0">
+              <a:rPr lang="en-US" altLang="zh-TW" sz="2200" dirty="0">
                 <a:sym typeface="Wingdings" pitchFamily="2" charset="2"/>
               </a:rPr>
               <a:t> LWP blocks  user thread blocks.</a:t>
             </a:r>
-            <a:endParaRPr lang="en-US" altLang="zh-TW" sz="2000" dirty="0"/>
+            <a:endParaRPr lang="en-US" altLang="zh-TW" sz="2200" dirty="0"/>
           </a:p>
         </p:txBody>
       </p:sp>
@@ -24245,10 +24592,10 @@
         </p:nvGrpSpPr>
         <p:grpSpPr>
           <a:xfrm>
-            <a:off x="6078538" y="1649413"/>
-            <a:ext cx="3082925" cy="3762375"/>
-            <a:chOff x="6078538" y="1649413"/>
-            <a:chExt cx="3082925" cy="3762375"/>
+            <a:off x="6227763" y="1649413"/>
+            <a:ext cx="2933700" cy="3762375"/>
+            <a:chOff x="6227763" y="1649413"/>
+            <a:chExt cx="2933700" cy="3762375"/>
           </a:xfrm>
         </p:grpSpPr>
         <p:pic>
@@ -24291,7 +24638,7 @@
           </p:nvSpPr>
           <p:spPr bwMode="auto">
             <a:xfrm>
-              <a:off x="6078538" y="3505200"/>
+              <a:off x="6227763" y="3558747"/>
               <a:ext cx="1304925" cy="558800"/>
             </a:xfrm>
             <a:prstGeom prst="rect">
@@ -25373,6 +25720,11 @@
               <a:rPr lang="en-US" altLang="zh-TW" sz="2400" dirty="0"/>
               <a:t>.</a:t>
             </a:r>
+            <a:r>
+              <a:rPr lang="zh-TW" altLang="en-US" sz="2400" dirty="0"/>
+              <a:t>同前</a:t>
+            </a:r>
+            <a:endParaRPr lang="en-US" altLang="zh-TW" sz="2400" dirty="0"/>
           </a:p>
           <a:p>
             <a:r>
@@ -25964,6 +26316,11 @@
               <a:rPr lang="en-US" altLang="zh-TW" sz="2000" dirty="0"/>
               <a:t>representing the status of the processor</a:t>
             </a:r>
+            <a:r>
+              <a:rPr lang="zh-TW" altLang="en-US" sz="2000" dirty="0"/>
+              <a:t>同之前那張多緒圖</a:t>
+            </a:r>
+            <a:endParaRPr lang="en-US" altLang="zh-TW" sz="2000" dirty="0"/>
           </a:p>
           <a:p>
             <a:pPr lvl="1"/>
@@ -25983,6 +26340,14 @@
             <a:r>
               <a:rPr lang="en-US" altLang="zh-TW" sz="2000" dirty="0"/>
               <a:t>The register set, stacks, and private storage area are known as the </a:t>
+            </a:r>
+            <a:r>
+              <a:rPr lang="en-US" altLang="zh-TW" sz="2000" dirty="0">
+                <a:solidFill>
+                  <a:srgbClr val="FF0000"/>
+                </a:solidFill>
+              </a:rPr>
+              <a:t>context</a:t>
             </a:r>
             <a:r>
               <a:rPr lang="en-US" altLang="zh-TW" sz="2000" dirty="0">
@@ -25990,7 +26355,7 @@
                   <a:srgbClr val="3366FF"/>
                 </a:solidFill>
               </a:rPr>
-              <a:t>context </a:t>
+              <a:t> </a:t>
             </a:r>
             <a:r>
               <a:rPr lang="en-US" altLang="zh-TW" sz="2000" dirty="0"/>
@@ -26035,13 +26400,6 @@
               </a:rPr>
               <a:t>TEB (thread environment block)</a:t>
             </a:r>
-          </a:p>
-          <a:p>
-            <a:pPr>
-              <a:buFont typeface="Monotype Sorts" pitchFamily="2" charset="2"/>
-              <a:buNone/>
-            </a:pPr>
-            <a:endParaRPr lang="en-US" altLang="zh-TW" sz="2000" dirty="0"/>
           </a:p>
         </p:txBody>
       </p:sp>
